--- a/Globetrotter Presentation.pptx
+++ b/Globetrotter Presentation.pptx
@@ -7622,7 +7622,7 @@
           <a:p>
             <a:fld id="{ED291B17-9318-49DB-B28B-6E5994AE9581}" type="datetime1">
               <a:rPr lang="en-US" smtClean="0"/>
-              <a:t>7/12/2019</a:t>
+              <a:t>7/13/2019</a:t>
             </a:fld>
             <a:endParaRPr lang="en-US" dirty="0"/>
           </a:p>
@@ -7792,7 +7792,7 @@
           <a:p>
             <a:fld id="{ED291B17-9318-49DB-B28B-6E5994AE9581}" type="datetime1">
               <a:rPr lang="en-US" smtClean="0"/>
-              <a:t>7/12/2019</a:t>
+              <a:t>7/13/2019</a:t>
             </a:fld>
             <a:endParaRPr lang="en-US" dirty="0"/>
           </a:p>
@@ -7973,7 +7973,7 @@
           <a:p>
             <a:fld id="{ED291B17-9318-49DB-B28B-6E5994AE9581}" type="datetime1">
               <a:rPr lang="en-US" smtClean="0"/>
-              <a:t>7/12/2019</a:t>
+              <a:t>7/13/2019</a:t>
             </a:fld>
             <a:endParaRPr lang="en-US" dirty="0"/>
           </a:p>
@@ -8144,7 +8144,7 @@
           <a:p>
             <a:fld id="{ED291B17-9318-49DB-B28B-6E5994AE9581}" type="datetime1">
               <a:rPr lang="en-US" smtClean="0"/>
-              <a:t>7/12/2019</a:t>
+              <a:t>7/13/2019</a:t>
             </a:fld>
             <a:endParaRPr lang="en-US" dirty="0"/>
           </a:p>
@@ -8391,7 +8391,7 @@
           <a:p>
             <a:fld id="{ED291B17-9318-49DB-B28B-6E5994AE9581}" type="datetime1">
               <a:rPr lang="en-US" smtClean="0"/>
-              <a:t>7/12/2019</a:t>
+              <a:t>7/13/2019</a:t>
             </a:fld>
             <a:endParaRPr lang="en-US" dirty="0"/>
           </a:p>
@@ -8624,7 +8624,7 @@
           <a:p>
             <a:fld id="{ED291B17-9318-49DB-B28B-6E5994AE9581}" type="datetime1">
               <a:rPr lang="en-US" smtClean="0"/>
-              <a:t>7/12/2019</a:t>
+              <a:t>7/13/2019</a:t>
             </a:fld>
             <a:endParaRPr lang="en-US" dirty="0"/>
           </a:p>
@@ -8992,7 +8992,7 @@
           <a:p>
             <a:fld id="{ED291B17-9318-49DB-B28B-6E5994AE9581}" type="datetime1">
               <a:rPr lang="en-US" smtClean="0"/>
-              <a:t>7/12/2019</a:t>
+              <a:t>7/13/2019</a:t>
             </a:fld>
             <a:endParaRPr lang="en-US" dirty="0"/>
           </a:p>
@@ -9111,7 +9111,7 @@
           <a:p>
             <a:fld id="{ED291B17-9318-49DB-B28B-6E5994AE9581}" type="datetime1">
               <a:rPr lang="en-US" smtClean="0"/>
-              <a:t>7/12/2019</a:t>
+              <a:t>7/13/2019</a:t>
             </a:fld>
             <a:endParaRPr lang="en-US" dirty="0"/>
           </a:p>
@@ -9207,7 +9207,7 @@
           <a:p>
             <a:fld id="{ED291B17-9318-49DB-B28B-6E5994AE9581}" type="datetime1">
               <a:rPr lang="en-US" smtClean="0"/>
-              <a:t>7/12/2019</a:t>
+              <a:t>7/13/2019</a:t>
             </a:fld>
             <a:endParaRPr lang="en-US" dirty="0"/>
           </a:p>
@@ -9485,7 +9485,7 @@
           <a:p>
             <a:fld id="{ED291B17-9318-49DB-B28B-6E5994AE9581}" type="datetime1">
               <a:rPr lang="en-US" smtClean="0"/>
-              <a:t>7/12/2019</a:t>
+              <a:t>7/13/2019</a:t>
             </a:fld>
             <a:endParaRPr lang="en-US" dirty="0"/>
           </a:p>
@@ -9743,7 +9743,7 @@
           <a:p>
             <a:fld id="{ED291B17-9318-49DB-B28B-6E5994AE9581}" type="datetime1">
               <a:rPr lang="en-US" smtClean="0"/>
-              <a:t>7/12/2019</a:t>
+              <a:t>7/13/2019</a:t>
             </a:fld>
             <a:endParaRPr lang="en-US" dirty="0"/>
           </a:p>
@@ -9967,7 +9967,7 @@
           <a:p>
             <a:fld id="{ED291B17-9318-49DB-B28B-6E5994AE9581}" type="datetime1">
               <a:rPr lang="en-US" smtClean="0"/>
-              <a:t>7/12/2019</a:t>
+              <a:t>7/13/2019</a:t>
             </a:fld>
             <a:endParaRPr lang="en-US" dirty="0"/>
           </a:p>
